--- a/materials/slides/ch03.pptx
+++ b/materials/slides/ch03.pptx
@@ -2651,7 +2651,7 @@
             <a:r>
               <a:rPr lang="en-US" altLang="zh-CN" sz="2200">
                 <a:solidFill>
-                  <a:srgbClr val="FF0000"/>
+                  <a:srgbClr val="0070C0"/>
                 </a:solidFill>
                 <a:latin typeface="+mn-ea"/>
                 <a:ea typeface="+mn-ea"/>
